--- a/Diapositivas/Parte 02.Regresión/02_07_Evaluación_Regresión.pptx
+++ b/Diapositivas/Parte 02.Regresión/02_07_Evaluación_Regresión.pptx
@@ -5,12 +5,11 @@
     <p:sldMasterId id="2147483648" r:id="rId5"/>
   </p:sldMasterIdLst>
   <p:notesMasterIdLst>
-    <p:notesMasterId r:id="rId9"/>
+    <p:notesMasterId r:id="rId8"/>
   </p:notesMasterIdLst>
   <p:sldIdLst>
     <p:sldId id="307" r:id="rId6"/>
-    <p:sldId id="420" r:id="rId7"/>
-    <p:sldId id="421" r:id="rId8"/>
+    <p:sldId id="421" r:id="rId7"/>
   </p:sldIdLst>
   <p:sldSz cx="12192000" cy="6858000"/>
   <p:notesSz cx="6858000" cy="9144000"/>
@@ -5305,7 +5304,7 @@
           <a:p>
             <a:fld id="{6C73E373-4A5A-9F47-B78B-3F6D862D2DA4}" type="datetimeFigureOut">
               <a:rPr lang="es-CO" smtClean="0"/>
-              <a:t>31/08/2023</a:t>
+              <a:t>6/09/2023</a:t>
             </a:fld>
             <a:endParaRPr lang="es-CO"/>
           </a:p>
@@ -5767,7 +5766,7 @@
             <a:fld id="{4ED1245C-EDA9-0F49-9277-480AED948C75}" type="datetimeFigureOut">
               <a:rPr lang="es-MX" smtClean="0"/>
               <a:pPr/>
-              <a:t>31/08/2023</a:t>
+              <a:t>06/09/2023</a:t>
             </a:fld>
             <a:endParaRPr lang="es-MX"/>
           </a:p>
@@ -6059,7 +6058,7 @@
           <a:p>
             <a:fld id="{4ED1245C-EDA9-0F49-9277-480AED948C75}" type="datetimeFigureOut">
               <a:rPr lang="es-MX" smtClean="0"/>
-              <a:t>31/08/2023</a:t>
+              <a:t>06/09/2023</a:t>
             </a:fld>
             <a:endParaRPr lang="es-MX"/>
           </a:p>
@@ -6195,7 +6194,7 @@
           <a:p>
             <a:fld id="{8B636DD7-9EC0-2343-87F4-811CC24B63A7}" type="datetimeFigureOut">
               <a:rPr lang="es-MX" smtClean="0"/>
-              <a:t>31/08/2023</a:t>
+              <a:t>06/09/2023</a:t>
             </a:fld>
             <a:endParaRPr lang="es-MX"/>
           </a:p>
@@ -6425,7 +6424,7 @@
           <a:p>
             <a:fld id="{8B636DD7-9EC0-2343-87F4-811CC24B63A7}" type="datetimeFigureOut">
               <a:rPr lang="es-MX" smtClean="0"/>
-              <a:t>31/08/2023</a:t>
+              <a:t>06/09/2023</a:t>
             </a:fld>
             <a:endParaRPr lang="es-MX"/>
           </a:p>
@@ -6561,7 +6560,7 @@
           <a:p>
             <a:fld id="{8B636DD7-9EC0-2343-87F4-811CC24B63A7}" type="datetimeFigureOut">
               <a:rPr lang="es-MX" smtClean="0"/>
-              <a:t>31/08/2023</a:t>
+              <a:t>06/09/2023</a:t>
             </a:fld>
             <a:endParaRPr lang="es-MX"/>
           </a:p>
@@ -6734,7 +6733,7 @@
           <a:p>
             <a:fld id="{8B636DD7-9EC0-2343-87F4-811CC24B63A7}" type="datetimeFigureOut">
               <a:rPr lang="es-MX" smtClean="0"/>
-              <a:t>31/08/2023</a:t>
+              <a:t>06/09/2023</a:t>
             </a:fld>
             <a:endParaRPr lang="es-MX"/>
           </a:p>
@@ -7040,7 +7039,7 @@
           <a:p>
             <a:fld id="{4ED1245C-EDA9-0F49-9277-480AED948C75}" type="datetimeFigureOut">
               <a:rPr lang="es-MX" smtClean="0"/>
-              <a:t>31/08/2023</a:t>
+              <a:t>06/09/2023</a:t>
             </a:fld>
             <a:endParaRPr lang="es-MX"/>
           </a:p>
@@ -7215,7 +7214,7 @@
           <a:p>
             <a:fld id="{4ED1245C-EDA9-0F49-9277-480AED948C75}" type="datetimeFigureOut">
               <a:rPr lang="es-MX" smtClean="0"/>
-              <a:t>31/08/2023</a:t>
+              <a:t>06/09/2023</a:t>
             </a:fld>
             <a:endParaRPr lang="es-MX"/>
           </a:p>
@@ -7328,7 +7327,7 @@
           <a:p>
             <a:fld id="{4ED1245C-EDA9-0F49-9277-480AED948C75}" type="datetimeFigureOut">
               <a:rPr lang="es-MX" smtClean="0"/>
-              <a:t>31/08/2023</a:t>
+              <a:t>06/09/2023</a:t>
             </a:fld>
             <a:endParaRPr lang="es-MX"/>
           </a:p>
@@ -7573,7 +7572,7 @@
             <a:fld id="{4ED1245C-EDA9-0F49-9277-480AED948C75}" type="datetimeFigureOut">
               <a:rPr lang="es-MX" smtClean="0"/>
               <a:pPr/>
-              <a:t>31/08/2023</a:t>
+              <a:t>06/09/2023</a:t>
             </a:fld>
             <a:endParaRPr lang="es-MX"/>
           </a:p>
@@ -8143,285 +8142,6 @@
           <a:chExt cx="0" cy="0"/>
         </a:xfrm>
       </p:grpSpPr>
-      <p:pic>
-        <p:nvPicPr>
-          <p:cNvPr id="7" name="Imagen 6">
-            <a:extLst>
-              <a:ext uri="{FF2B5EF4-FFF2-40B4-BE49-F238E27FC236}">
-                <a16:creationId xmlns:a16="http://schemas.microsoft.com/office/drawing/2014/main" xmlns="" id="{80F9540A-A86D-7869-2F93-5CAFAFFAB2EE}"/>
-              </a:ext>
-            </a:extLst>
-          </p:cNvPr>
-          <p:cNvPicPr>
-            <a:picLocks noChangeAspect="1"/>
-          </p:cNvPicPr>
-          <p:nvPr/>
-        </p:nvPicPr>
-        <p:blipFill>
-          <a:blip r:embed="rId2"/>
-          <a:stretch>
-            <a:fillRect/>
-          </a:stretch>
-        </p:blipFill>
-        <p:spPr>
-          <a:xfrm>
-            <a:off x="0" y="0"/>
-            <a:ext cx="12192000" cy="6858000"/>
-          </a:xfrm>
-          <a:prstGeom prst="rect">
-            <a:avLst/>
-          </a:prstGeom>
-        </p:spPr>
-      </p:pic>
-      <p:sp>
-        <p:nvSpPr>
-          <p:cNvPr id="2" name="Título 1">
-            <a:extLst>
-              <a:ext uri="{FF2B5EF4-FFF2-40B4-BE49-F238E27FC236}">
-                <a16:creationId xmlns:a16="http://schemas.microsoft.com/office/drawing/2014/main" xmlns="" id="{572CC210-A003-3F99-CD8F-E9BF7A8E1E21}"/>
-              </a:ext>
-            </a:extLst>
-          </p:cNvPr>
-          <p:cNvSpPr txBox="1">
-            <a:spLocks/>
-          </p:cNvSpPr>
-          <p:nvPr/>
-        </p:nvSpPr>
-        <p:spPr>
-          <a:xfrm>
-            <a:off x="27984" y="3216602"/>
-            <a:ext cx="9027941" cy="2635735"/>
-          </a:xfrm>
-          <a:prstGeom prst="rect">
-            <a:avLst/>
-          </a:prstGeom>
-          <a:noFill/>
-        </p:spPr>
-        <p:txBody>
-          <a:bodyPr>
-            <a:noAutofit/>
-          </a:bodyPr>
-          <a:lstStyle>
-            <a:defPPr>
-              <a:defRPr lang="en-US"/>
-            </a:defPPr>
-            <a:lvl1pPr defTabSz="685800">
-              <a:lnSpc>
-                <a:spcPct val="90000"/>
-              </a:lnSpc>
-              <a:spcBef>
-                <a:spcPct val="0"/>
-              </a:spcBef>
-              <a:buNone/>
-              <a:defRPr sz="6600" b="1" i="1">
-                <a:ln w="0">
-                  <a:solidFill>
-                    <a:schemeClr val="bg1">
-                      <a:alpha val="25003"/>
-                    </a:schemeClr>
-                  </a:solidFill>
-                </a:ln>
-                <a:noFill/>
-                <a:latin typeface="Verdana" panose="020B0604030504040204" pitchFamily="34" charset="0"/>
-                <a:ea typeface="Verdana" panose="020B0604030504040204" pitchFamily="34" charset="0"/>
-                <a:cs typeface="Verdana" panose="020B0604030504040204" pitchFamily="34" charset="0"/>
-              </a:defRPr>
-            </a:lvl1pPr>
-          </a:lstStyle>
-          <a:p>
-            <a:r>
-              <a:rPr lang="es-ES" sz="8800" smtClean="0"/>
-              <a:t>Evaluación Regresión</a:t>
-            </a:r>
-            <a:endParaRPr lang="es-ES" sz="8800"/>
-          </a:p>
-          <a:p>
-            <a:endParaRPr lang="es-MX" sz="8800"/>
-          </a:p>
-        </p:txBody>
-      </p:sp>
-      <p:grpSp>
-        <p:nvGrpSpPr>
-          <p:cNvPr id="3" name="Grupo 2">
-            <a:extLst>
-              <a:ext uri="{FF2B5EF4-FFF2-40B4-BE49-F238E27FC236}">
-                <a16:creationId xmlns:a16="http://schemas.microsoft.com/office/drawing/2014/main" xmlns="" id="{EC24E8A5-BDF0-4A47-632F-0C684A039C09}"/>
-              </a:ext>
-            </a:extLst>
-          </p:cNvPr>
-          <p:cNvGrpSpPr/>
-          <p:nvPr/>
-        </p:nvGrpSpPr>
-        <p:grpSpPr>
-          <a:xfrm>
-            <a:off x="823585" y="2605523"/>
-            <a:ext cx="5216215" cy="1469944"/>
-            <a:chOff x="2782153" y="1879316"/>
-            <a:chExt cx="3912161" cy="1102458"/>
-          </a:xfrm>
-        </p:grpSpPr>
-        <p:sp>
-          <p:nvSpPr>
-            <p:cNvPr id="4" name="Título 1">
-              <a:extLst>
-                <a:ext uri="{FF2B5EF4-FFF2-40B4-BE49-F238E27FC236}">
-                  <a16:creationId xmlns:a16="http://schemas.microsoft.com/office/drawing/2014/main" xmlns="" id="{BDA91683-1A76-3D64-9D24-EA38286227F8}"/>
-                </a:ext>
-              </a:extLst>
-            </p:cNvPr>
-            <p:cNvSpPr txBox="1">
-              <a:spLocks/>
-            </p:cNvSpPr>
-            <p:nvPr/>
-          </p:nvSpPr>
-          <p:spPr>
-            <a:xfrm>
-              <a:off x="2782153" y="2012074"/>
-              <a:ext cx="3912161" cy="969700"/>
-            </a:xfrm>
-            <a:prstGeom prst="rect">
-              <a:avLst/>
-            </a:prstGeom>
-          </p:spPr>
-          <p:txBody>
-            <a:bodyPr lIns="121920" tIns="60960" rIns="121920" bIns="60960" anchor="t">
-              <a:normAutofit/>
-            </a:bodyPr>
-            <a:lstStyle>
-              <a:lvl1pPr algn="l" defTabSz="685800" rtl="0" eaLnBrk="1" latinLnBrk="0" hangingPunct="1">
-                <a:lnSpc>
-                  <a:spcPct val="90000"/>
-                </a:lnSpc>
-                <a:spcBef>
-                  <a:spcPct val="0"/>
-                </a:spcBef>
-                <a:buNone/>
-                <a:defRPr sz="3300" kern="1200">
-                  <a:solidFill>
-                    <a:schemeClr val="tx1"/>
-                  </a:solidFill>
-                  <a:latin typeface="+mj-lt"/>
-                  <a:ea typeface="+mj-ea"/>
-                  <a:cs typeface="+mj-cs"/>
-                </a:defRPr>
-              </a:lvl1pPr>
-            </a:lstStyle>
-            <a:p>
-              <a:r>
-                <a:rPr lang="es-ES" sz="4267" b="1" smtClean="0">
-                  <a:solidFill>
-                    <a:schemeClr val="bg1"/>
-                  </a:solidFill>
-                  <a:latin typeface="Verdana"/>
-                  <a:ea typeface="Verdana"/>
-                  <a:cs typeface="+mj-lt"/>
-                </a:rPr>
-                <a:t>Evaluación Regresión</a:t>
-              </a:r>
-              <a:endParaRPr lang="es-ES" sz="4267">
-                <a:solidFill>
-                  <a:schemeClr val="bg1"/>
-                </a:solidFill>
-                <a:ea typeface="+mj-lt"/>
-                <a:cs typeface="+mj-lt"/>
-              </a:endParaRPr>
-            </a:p>
-            <a:p>
-              <a:endParaRPr lang="es-MX" sz="4800" b="1">
-                <a:solidFill>
-                  <a:schemeClr val="bg1"/>
-                </a:solidFill>
-                <a:latin typeface="Verdana"/>
-                <a:ea typeface="Verdana"/>
-                <a:cs typeface="Verdana" panose="020B0604030504040204" pitchFamily="34" charset="0"/>
-              </a:endParaRPr>
-            </a:p>
-          </p:txBody>
-        </p:sp>
-        <p:cxnSp>
-          <p:nvCxnSpPr>
-            <p:cNvPr id="5" name="Conector recto 4">
-              <a:extLst>
-                <a:ext uri="{FF2B5EF4-FFF2-40B4-BE49-F238E27FC236}">
-                  <a16:creationId xmlns:a16="http://schemas.microsoft.com/office/drawing/2014/main" xmlns="" id="{371AF7D7-FFEF-56F9-73C8-D4733F926855}"/>
-                </a:ext>
-              </a:extLst>
-            </p:cNvPr>
-            <p:cNvCxnSpPr>
-              <a:cxnSpLocks/>
-            </p:cNvCxnSpPr>
-            <p:nvPr/>
-          </p:nvCxnSpPr>
-          <p:spPr>
-            <a:xfrm>
-              <a:off x="2887549" y="1879316"/>
-              <a:ext cx="988877" cy="0"/>
-            </a:xfrm>
-            <a:prstGeom prst="line">
-              <a:avLst/>
-            </a:prstGeom>
-            <a:ln w="28575">
-              <a:solidFill>
-                <a:schemeClr val="bg1"/>
-              </a:solidFill>
-            </a:ln>
-          </p:spPr>
-          <p:style>
-            <a:lnRef idx="1">
-              <a:schemeClr val="accent1"/>
-            </a:lnRef>
-            <a:fillRef idx="0">
-              <a:schemeClr val="accent1"/>
-            </a:fillRef>
-            <a:effectRef idx="0">
-              <a:schemeClr val="accent1"/>
-            </a:effectRef>
-            <a:fontRef idx="minor">
-              <a:schemeClr val="tx1"/>
-            </a:fontRef>
-          </p:style>
-        </p:cxnSp>
-      </p:grpSp>
-    </p:spTree>
-    <p:extLst>
-      <p:ext uri="{BB962C8B-B14F-4D97-AF65-F5344CB8AC3E}">
-        <p14:creationId xmlns:p14="http://schemas.microsoft.com/office/powerpoint/2010/main" val="3981215181"/>
-      </p:ext>
-    </p:extLst>
-  </p:cSld>
-  <p:clrMapOvr>
-    <a:masterClrMapping/>
-  </p:clrMapOvr>
-  <p:transition spd="slow">
-    <p:randomBar dir="vert"/>
-  </p:transition>
-  <p:timing>
-    <p:tnLst>
-      <p:par>
-        <p:cTn id="1" dur="indefinite" restart="never" nodeType="tmRoot"/>
-      </p:par>
-    </p:tnLst>
-  </p:timing>
-</p:sld>
-</file>
-
-<file path=ppt/slides/slide3.xml><?xml version="1.0" encoding="utf-8"?>
-<p:sld xmlns:a="http://schemas.openxmlformats.org/drawingml/2006/main" xmlns:r="http://schemas.openxmlformats.org/officeDocument/2006/relationships" xmlns:p="http://schemas.openxmlformats.org/presentationml/2006/main">
-  <p:cSld>
-    <p:spTree>
-      <p:nvGrpSpPr>
-        <p:cNvPr id="1" name=""/>
-        <p:cNvGrpSpPr/>
-        <p:nvPr/>
-      </p:nvGrpSpPr>
-      <p:grpSpPr>
-        <a:xfrm>
-          <a:off x="0" y="0"/>
-          <a:ext cx="0" cy="0"/>
-          <a:chOff x="0" y="0"/>
-          <a:chExt cx="0" cy="0"/>
-        </a:xfrm>
-      </p:grpSpPr>
       <p:sp>
         <p:nvSpPr>
           <p:cNvPr id="2" name="Marcador de número de diapositiva 1">
@@ -8450,7 +8170,7 @@
           <a:p>
             <a:fld id="{C9217C39-0DA2-4425-B107-AECE7E63047D}" type="slidenum">
               <a:rPr lang="es-MX" smtClean="0"/>
-              <a:t>3</a:t>
+              <a:t>2</a:t>
             </a:fld>
             <a:endParaRPr lang="es-MX"/>
           </a:p>
@@ -8501,7 +8221,7 @@
           <p:nvPr>
             <p:extLst>
               <p:ext uri="{D42A27DB-BD31-4B8C-83A1-F6EECF244321}">
-                <p14:modId xmlns:p14="http://schemas.microsoft.com/office/powerpoint/2010/main" val="4134003480"/>
+                <p14:modId xmlns:p14="http://schemas.microsoft.com/office/powerpoint/2010/main" val="471625411"/>
               </p:ext>
             </p:extLst>
           </p:nvPr>
@@ -8715,7 +8435,7 @@
                           <a:latin typeface="Verdana" panose="020B0604030504040204" pitchFamily="34" charset="0"/>
                           <a:ea typeface="Verdana" panose="020B0604030504040204" pitchFamily="34" charset="0"/>
                         </a:rPr>
-                        <a:t>Supestos</a:t>
+                        <a:t>Supuestos</a:t>
                       </a:r>
                       <a:r>
                         <a:rPr lang="es-MX" sz="1200" baseline="0" smtClean="0">
@@ -8911,7 +8631,27 @@
                           <a:latin typeface="Verdana" panose="020B0604030504040204" pitchFamily="34" charset="0"/>
                           <a:ea typeface="Verdana" panose="020B0604030504040204" pitchFamily="34" charset="0"/>
                         </a:rPr>
-                        <a:t>Es obligatorio aplicar escalamiento, no es mut conocido, más dificil de entender</a:t>
+                        <a:t>Es obligatorio aplicar escalamiento, no es </a:t>
+                      </a:r>
+                      <a:r>
+                        <a:rPr lang="es-MX" sz="1200" smtClean="0">
+                          <a:solidFill>
+                            <a:schemeClr val="bg1"/>
+                          </a:solidFill>
+                          <a:latin typeface="Verdana" panose="020B0604030504040204" pitchFamily="34" charset="0"/>
+                          <a:ea typeface="Verdana" panose="020B0604030504040204" pitchFamily="34" charset="0"/>
+                        </a:rPr>
+                        <a:t>muy </a:t>
+                      </a:r>
+                      <a:r>
+                        <a:rPr lang="es-MX" sz="1200" smtClean="0">
+                          <a:solidFill>
+                            <a:schemeClr val="bg1"/>
+                          </a:solidFill>
+                          <a:latin typeface="Verdana" panose="020B0604030504040204" pitchFamily="34" charset="0"/>
+                          <a:ea typeface="Verdana" panose="020B0604030504040204" pitchFamily="34" charset="0"/>
+                        </a:rPr>
+                        <a:t>conocido, más dificil de entender</a:t>
                       </a:r>
                       <a:endParaRPr lang="es-MX" sz="1200">
                         <a:solidFill>
@@ -9287,13 +9027,13 @@
   <p:clrMapOvr>
     <a:masterClrMapping/>
   </p:clrMapOvr>
-  <mc:AlternateContent xmlns:mc="http://schemas.openxmlformats.org/markup-compatibility/2006">
-    <mc:Choice xmlns:p14="http://schemas.microsoft.com/office/powerpoint/2010/main" Requires="p14">
+  <mc:AlternateContent xmlns:mc="http://schemas.openxmlformats.org/markup-compatibility/2006" xmlns:p14="http://schemas.microsoft.com/office/powerpoint/2010/main">
+    <mc:Choice Requires="p14">
       <p:transition spd="med" p14:dur="700">
         <p:fade/>
       </p:transition>
     </mc:Choice>
-    <mc:Fallback>
+    <mc:Fallback xmlns="">
       <p:transition spd="med">
         <p:fade/>
       </p:transition>
